--- a/images/FiberScout_MetaTracts_GUI.pptx
+++ b/images/FiberScout_MetaTracts_GUI.pptx
@@ -289,7 +289,7 @@
           <a:p>
             <a:fld id="{357C6147-7F21-40A3-9D66-9B8EB1BDA9EE}" type="datetimeFigureOut">
               <a:rPr lang="en-US" smtClean="0"/>
-              <a:t>6/16/2015</a:t>
+              <a:t>6/17/2015</a:t>
             </a:fld>
             <a:endParaRPr lang="en-US"/>
           </a:p>
@@ -459,7 +459,7 @@
           <a:p>
             <a:fld id="{357C6147-7F21-40A3-9D66-9B8EB1BDA9EE}" type="datetimeFigureOut">
               <a:rPr lang="en-US" smtClean="0"/>
-              <a:t>6/16/2015</a:t>
+              <a:t>6/17/2015</a:t>
             </a:fld>
             <a:endParaRPr lang="en-US"/>
           </a:p>
@@ -639,7 +639,7 @@
           <a:p>
             <a:fld id="{357C6147-7F21-40A3-9D66-9B8EB1BDA9EE}" type="datetimeFigureOut">
               <a:rPr lang="en-US" smtClean="0"/>
-              <a:t>6/16/2015</a:t>
+              <a:t>6/17/2015</a:t>
             </a:fld>
             <a:endParaRPr lang="en-US"/>
           </a:p>
@@ -809,7 +809,7 @@
           <a:p>
             <a:fld id="{357C6147-7F21-40A3-9D66-9B8EB1BDA9EE}" type="datetimeFigureOut">
               <a:rPr lang="en-US" smtClean="0"/>
-              <a:t>6/16/2015</a:t>
+              <a:t>6/17/2015</a:t>
             </a:fld>
             <a:endParaRPr lang="en-US"/>
           </a:p>
@@ -1055,7 +1055,7 @@
           <a:p>
             <a:fld id="{357C6147-7F21-40A3-9D66-9B8EB1BDA9EE}" type="datetimeFigureOut">
               <a:rPr lang="en-US" smtClean="0"/>
-              <a:t>6/16/2015</a:t>
+              <a:t>6/17/2015</a:t>
             </a:fld>
             <a:endParaRPr lang="en-US"/>
           </a:p>
@@ -1343,7 +1343,7 @@
           <a:p>
             <a:fld id="{357C6147-7F21-40A3-9D66-9B8EB1BDA9EE}" type="datetimeFigureOut">
               <a:rPr lang="en-US" smtClean="0"/>
-              <a:t>6/16/2015</a:t>
+              <a:t>6/17/2015</a:t>
             </a:fld>
             <a:endParaRPr lang="en-US"/>
           </a:p>
@@ -1765,7 +1765,7 @@
           <a:p>
             <a:fld id="{357C6147-7F21-40A3-9D66-9B8EB1BDA9EE}" type="datetimeFigureOut">
               <a:rPr lang="en-US" smtClean="0"/>
-              <a:t>6/16/2015</a:t>
+              <a:t>6/17/2015</a:t>
             </a:fld>
             <a:endParaRPr lang="en-US"/>
           </a:p>
@@ -1883,7 +1883,7 @@
           <a:p>
             <a:fld id="{357C6147-7F21-40A3-9D66-9B8EB1BDA9EE}" type="datetimeFigureOut">
               <a:rPr lang="en-US" smtClean="0"/>
-              <a:t>6/16/2015</a:t>
+              <a:t>6/17/2015</a:t>
             </a:fld>
             <a:endParaRPr lang="en-US"/>
           </a:p>
@@ -1978,7 +1978,7 @@
           <a:p>
             <a:fld id="{357C6147-7F21-40A3-9D66-9B8EB1BDA9EE}" type="datetimeFigureOut">
               <a:rPr lang="en-US" smtClean="0"/>
-              <a:t>6/16/2015</a:t>
+              <a:t>6/17/2015</a:t>
             </a:fld>
             <a:endParaRPr lang="en-US"/>
           </a:p>
@@ -2255,7 +2255,7 @@
           <a:p>
             <a:fld id="{357C6147-7F21-40A3-9D66-9B8EB1BDA9EE}" type="datetimeFigureOut">
               <a:rPr lang="en-US" smtClean="0"/>
-              <a:t>6/16/2015</a:t>
+              <a:t>6/17/2015</a:t>
             </a:fld>
             <a:endParaRPr lang="en-US"/>
           </a:p>
@@ -2508,7 +2508,7 @@
           <a:p>
             <a:fld id="{357C6147-7F21-40A3-9D66-9B8EB1BDA9EE}" type="datetimeFigureOut">
               <a:rPr lang="en-US" smtClean="0"/>
-              <a:t>6/16/2015</a:t>
+              <a:t>6/17/2015</a:t>
             </a:fld>
             <a:endParaRPr lang="en-US"/>
           </a:p>
@@ -2721,7 +2721,7 @@
           <a:p>
             <a:fld id="{357C6147-7F21-40A3-9D66-9B8EB1BDA9EE}" type="datetimeFigureOut">
               <a:rPr lang="en-US" smtClean="0"/>
-              <a:t>6/16/2015</a:t>
+              <a:t>6/17/2015</a:t>
             </a:fld>
             <a:endParaRPr lang="en-US"/>
           </a:p>
@@ -3608,11 +3608,6 @@
                 </a:rPr>
                 <a:t>C</a:t>
               </a:r>
-              <a:endParaRPr lang="en-US" sz="8800" dirty="0">
-                <a:solidFill>
-                  <a:schemeClr val="bg1"/>
-                </a:solidFill>
-              </a:endParaRPr>
             </a:p>
           </p:txBody>
         </p:sp>
@@ -3761,8 +3756,8 @@
         </p:nvSpPr>
         <p:spPr>
           <a:xfrm>
-            <a:off x="0" y="496884"/>
-            <a:ext cx="10058400" cy="786610"/>
+            <a:off x="30478" y="496884"/>
+            <a:ext cx="9997201" cy="786610"/>
           </a:xfrm>
           <a:prstGeom prst="flowChartAlternateProcess">
             <a:avLst/>
@@ -3791,19 +3786,37 @@
           </a:fontRef>
         </p:style>
         <p:txBody>
-          <a:bodyPr rtlCol="0" anchor="ctr"/>
+          <a:bodyPr lIns="0" rIns="0" rtlCol="0" anchor="ctr">
+            <a:noAutofit/>
+          </a:bodyPr>
           <a:lstStyle/>
           <a:p>
             <a:pPr algn="ctr"/>
             <a:r>
-              <a:rPr lang="en-US" sz="3600" dirty="0" smtClean="0">
+              <a:rPr lang="en-US" sz="3550" dirty="0" smtClean="0">
                 <a:solidFill>
                   <a:srgbClr val="238B45"/>
                 </a:solidFill>
               </a:rPr>
-              <a:t>Graphical User Interface of the FiberScout tool</a:t>
-            </a:r>
-            <a:endParaRPr lang="en-US" sz="3600" dirty="0">
+              <a:t>Interactive fiber </a:t>
+            </a:r>
+            <a:r>
+              <a:rPr lang="en-US" sz="3550" dirty="0" smtClean="0">
+                <a:solidFill>
+                  <a:srgbClr val="238B45"/>
+                </a:solidFill>
+              </a:rPr>
+              <a:t>bundles analysis and exploration </a:t>
+            </a:r>
+            <a:r>
+              <a:rPr lang="en-US" sz="3550" dirty="0" smtClean="0">
+                <a:solidFill>
+                  <a:srgbClr val="238B45"/>
+                </a:solidFill>
+              </a:rPr>
+              <a:t>tool</a:t>
+            </a:r>
+            <a:endParaRPr lang="en-US" sz="3550" dirty="0">
               <a:solidFill>
                 <a:srgbClr val="238B45"/>
               </a:solidFill>
@@ -4069,11 +4082,6 @@
                 </a:rPr>
                 <a:t>C</a:t>
               </a:r>
-              <a:endParaRPr lang="en-US" sz="5400" dirty="0">
-                <a:solidFill>
-                  <a:schemeClr val="bg1"/>
-                </a:solidFill>
-              </a:endParaRPr>
             </a:p>
           </p:txBody>
         </p:sp>

--- a/images/FiberScout_MetaTracts_GUI.pptx
+++ b/images/FiberScout_MetaTracts_GUI.pptx
@@ -289,7 +289,7 @@
           <a:p>
             <a:fld id="{357C6147-7F21-40A3-9D66-9B8EB1BDA9EE}" type="datetimeFigureOut">
               <a:rPr lang="en-US" smtClean="0"/>
-              <a:t>6/17/2015</a:t>
+              <a:t>6/19/2015</a:t>
             </a:fld>
             <a:endParaRPr lang="en-US"/>
           </a:p>
@@ -459,7 +459,7 @@
           <a:p>
             <a:fld id="{357C6147-7F21-40A3-9D66-9B8EB1BDA9EE}" type="datetimeFigureOut">
               <a:rPr lang="en-US" smtClean="0"/>
-              <a:t>6/17/2015</a:t>
+              <a:t>6/19/2015</a:t>
             </a:fld>
             <a:endParaRPr lang="en-US"/>
           </a:p>
@@ -639,7 +639,7 @@
           <a:p>
             <a:fld id="{357C6147-7F21-40A3-9D66-9B8EB1BDA9EE}" type="datetimeFigureOut">
               <a:rPr lang="en-US" smtClean="0"/>
-              <a:t>6/17/2015</a:t>
+              <a:t>6/19/2015</a:t>
             </a:fld>
             <a:endParaRPr lang="en-US"/>
           </a:p>
@@ -809,7 +809,7 @@
           <a:p>
             <a:fld id="{357C6147-7F21-40A3-9D66-9B8EB1BDA9EE}" type="datetimeFigureOut">
               <a:rPr lang="en-US" smtClean="0"/>
-              <a:t>6/17/2015</a:t>
+              <a:t>6/19/2015</a:t>
             </a:fld>
             <a:endParaRPr lang="en-US"/>
           </a:p>
@@ -1055,7 +1055,7 @@
           <a:p>
             <a:fld id="{357C6147-7F21-40A3-9D66-9B8EB1BDA9EE}" type="datetimeFigureOut">
               <a:rPr lang="en-US" smtClean="0"/>
-              <a:t>6/17/2015</a:t>
+              <a:t>6/19/2015</a:t>
             </a:fld>
             <a:endParaRPr lang="en-US"/>
           </a:p>
@@ -1343,7 +1343,7 @@
           <a:p>
             <a:fld id="{357C6147-7F21-40A3-9D66-9B8EB1BDA9EE}" type="datetimeFigureOut">
               <a:rPr lang="en-US" smtClean="0"/>
-              <a:t>6/17/2015</a:t>
+              <a:t>6/19/2015</a:t>
             </a:fld>
             <a:endParaRPr lang="en-US"/>
           </a:p>
@@ -1765,7 +1765,7 @@
           <a:p>
             <a:fld id="{357C6147-7F21-40A3-9D66-9B8EB1BDA9EE}" type="datetimeFigureOut">
               <a:rPr lang="en-US" smtClean="0"/>
-              <a:t>6/17/2015</a:t>
+              <a:t>6/19/2015</a:t>
             </a:fld>
             <a:endParaRPr lang="en-US"/>
           </a:p>
@@ -1883,7 +1883,7 @@
           <a:p>
             <a:fld id="{357C6147-7F21-40A3-9D66-9B8EB1BDA9EE}" type="datetimeFigureOut">
               <a:rPr lang="en-US" smtClean="0"/>
-              <a:t>6/17/2015</a:t>
+              <a:t>6/19/2015</a:t>
             </a:fld>
             <a:endParaRPr lang="en-US"/>
           </a:p>
@@ -1978,7 +1978,7 @@
           <a:p>
             <a:fld id="{357C6147-7F21-40A3-9D66-9B8EB1BDA9EE}" type="datetimeFigureOut">
               <a:rPr lang="en-US" smtClean="0"/>
-              <a:t>6/17/2015</a:t>
+              <a:t>6/19/2015</a:t>
             </a:fld>
             <a:endParaRPr lang="en-US"/>
           </a:p>
@@ -2255,7 +2255,7 @@
           <a:p>
             <a:fld id="{357C6147-7F21-40A3-9D66-9B8EB1BDA9EE}" type="datetimeFigureOut">
               <a:rPr lang="en-US" smtClean="0"/>
-              <a:t>6/17/2015</a:t>
+              <a:t>6/19/2015</a:t>
             </a:fld>
             <a:endParaRPr lang="en-US"/>
           </a:p>
@@ -2508,7 +2508,7 @@
           <a:p>
             <a:fld id="{357C6147-7F21-40A3-9D66-9B8EB1BDA9EE}" type="datetimeFigureOut">
               <a:rPr lang="en-US" smtClean="0"/>
-              <a:t>6/17/2015</a:t>
+              <a:t>6/19/2015</a:t>
             </a:fld>
             <a:endParaRPr lang="en-US"/>
           </a:p>
@@ -2721,7 +2721,7 @@
           <a:p>
             <a:fld id="{357C6147-7F21-40A3-9D66-9B8EB1BDA9EE}" type="datetimeFigureOut">
               <a:rPr lang="en-US" smtClean="0"/>
-              <a:t>6/17/2015</a:t>
+              <a:t>6/19/2015</a:t>
             </a:fld>
             <a:endParaRPr lang="en-US"/>
           </a:p>
@@ -3798,23 +3798,7 @@
                   <a:srgbClr val="238B45"/>
                 </a:solidFill>
               </a:rPr>
-              <a:t>Interactive fiber </a:t>
-            </a:r>
-            <a:r>
-              <a:rPr lang="en-US" sz="3550" dirty="0" smtClean="0">
-                <a:solidFill>
-                  <a:srgbClr val="238B45"/>
-                </a:solidFill>
-              </a:rPr>
-              <a:t>bundles analysis and exploration </a:t>
-            </a:r>
-            <a:r>
-              <a:rPr lang="en-US" sz="3550" dirty="0" smtClean="0">
-                <a:solidFill>
-                  <a:srgbClr val="238B45"/>
-                </a:solidFill>
-              </a:rPr>
-              <a:t>tool</a:t>
+              <a:t>Interactive fiber bundles analysis and exploration tool</a:t>
             </a:r>
             <a:endParaRPr lang="en-US" sz="3550" dirty="0">
               <a:solidFill>
@@ -3883,8 +3867,8 @@
         </p:nvSpPr>
         <p:spPr>
           <a:xfrm rot="5400000">
-            <a:off x="45985" y="6000599"/>
-            <a:ext cx="753789" cy="784800"/>
+            <a:off x="32629" y="6192923"/>
+            <a:ext cx="565342" cy="588600"/>
           </a:xfrm>
           <a:prstGeom prst="teardrop">
             <a:avLst/>
@@ -3923,7 +3907,7 @@
           <a:p>
             <a:pPr algn="ctr"/>
             <a:r>
-              <a:rPr lang="en-US" sz="5400" dirty="0"/>
+              <a:rPr lang="en-US" sz="4800" dirty="0"/>
               <a:t>B</a:t>
             </a:r>
           </a:p>
@@ -3939,8 +3923,8 @@
         </p:nvSpPr>
         <p:spPr>
           <a:xfrm rot="5400000">
-            <a:off x="59678" y="1376697"/>
-            <a:ext cx="727518" cy="785915"/>
+            <a:off x="42063" y="1383996"/>
+            <a:ext cx="545638" cy="589436"/>
           </a:xfrm>
           <a:prstGeom prst="teardrop">
             <a:avLst/>
@@ -3979,113 +3963,45 @@
           <a:p>
             <a:pPr algn="ctr"/>
             <a:r>
-              <a:rPr lang="en-US" sz="5400" dirty="0"/>
+              <a:rPr lang="en-US" sz="4800" dirty="0"/>
               <a:t>A</a:t>
             </a:r>
           </a:p>
         </p:txBody>
       </p:sp>
-      <p:grpSp>
-        <p:nvGrpSpPr>
-          <p:cNvPr id="7" name="Gruppieren 6"/>
-          <p:cNvGrpSpPr/>
+      <p:sp>
+        <p:nvSpPr>
+          <p:cNvPr id="5" name="Rechteck 4"/>
+          <p:cNvSpPr/>
           <p:nvPr/>
-        </p:nvGrpSpPr>
-        <p:grpSpPr>
+        </p:nvSpPr>
+        <p:spPr>
           <a:xfrm>
-            <a:off x="9242880" y="5970706"/>
-            <a:ext cx="784800" cy="844586"/>
-            <a:chOff x="7315201" y="8720772"/>
-            <a:chExt cx="784800" cy="844586"/>
+            <a:off x="9334715" y="5970706"/>
+            <a:ext cx="601126" cy="844586"/>
           </a:xfrm>
-        </p:grpSpPr>
-        <p:sp>
-          <p:nvSpPr>
-            <p:cNvPr id="41" name="Teardrop 266"/>
-            <p:cNvSpPr>
-              <a:spLocks noChangeAspect="1"/>
-            </p:cNvSpPr>
-            <p:nvPr/>
-          </p:nvSpPr>
-          <p:spPr>
-            <a:xfrm rot="16200000" flipH="1">
-              <a:off x="7330706" y="8750665"/>
-              <a:ext cx="753789" cy="784800"/>
-            </a:xfrm>
-            <a:prstGeom prst="teardrop">
-              <a:avLst/>
-            </a:prstGeom>
-            <a:solidFill>
-              <a:srgbClr val="238B45"/>
-            </a:solidFill>
-            <a:ln>
-              <a:solidFill>
-                <a:schemeClr val="accent1">
-                  <a:shade val="50000"/>
-                  <a:alpha val="19000"/>
-                </a:schemeClr>
-              </a:solidFill>
-            </a:ln>
-          </p:spPr>
-          <p:style>
-            <a:lnRef idx="2">
-              <a:schemeClr val="accent1">
-                <a:shade val="50000"/>
-              </a:schemeClr>
-            </a:lnRef>
-            <a:fillRef idx="1">
-              <a:schemeClr val="accent1"/>
-            </a:fillRef>
-            <a:effectRef idx="0">
-              <a:schemeClr val="accent1"/>
-            </a:effectRef>
-            <a:fontRef idx="minor">
-              <a:schemeClr val="lt1"/>
-            </a:fontRef>
-          </p:style>
-          <p:txBody>
-            <a:bodyPr vert="vert270" rtlCol="0" anchor="ctr"/>
-            <a:lstStyle/>
-            <a:p>
-              <a:pPr algn="ctr"/>
-              <a:endParaRPr lang="en-US" sz="8800" dirty="0"/>
-            </a:p>
-          </p:txBody>
-        </p:sp>
-        <p:sp>
-          <p:nvSpPr>
-            <p:cNvPr id="5" name="Rechteck 4"/>
-            <p:cNvSpPr/>
-            <p:nvPr/>
-          </p:nvSpPr>
-          <p:spPr>
-            <a:xfrm>
-              <a:off x="7407036" y="8720772"/>
-              <a:ext cx="601126" cy="844586"/>
-            </a:xfrm>
-            <a:prstGeom prst="rect">
-              <a:avLst/>
-            </a:prstGeom>
-          </p:spPr>
-          <p:txBody>
-            <a:bodyPr wrap="none" lIns="0" tIns="0" rIns="0" bIns="0">
-              <a:noAutofit/>
-            </a:bodyPr>
-            <a:lstStyle/>
-            <a:p>
-              <a:pPr algn="ctr"/>
-              <a:r>
-                <a:rPr lang="en-US" sz="5400" dirty="0">
-                  <a:solidFill>
-                    <a:schemeClr val="bg1"/>
-                  </a:solidFill>
-                </a:rPr>
-                <a:t>C</a:t>
-              </a:r>
-            </a:p>
-          </p:txBody>
-        </p:sp>
-      </p:grpSp>
+          <a:prstGeom prst="rect">
+            <a:avLst/>
+          </a:prstGeom>
+        </p:spPr>
+        <p:txBody>
+          <a:bodyPr wrap="none" lIns="0" tIns="0" rIns="0" bIns="0">
+            <a:noAutofit/>
+          </a:bodyPr>
+          <a:lstStyle/>
+          <a:p>
+            <a:pPr algn="ctr"/>
+            <a:r>
+              <a:rPr lang="en-US" sz="5400" dirty="0">
+                <a:solidFill>
+                  <a:schemeClr val="bg1"/>
+                </a:solidFill>
+              </a:rPr>
+              <a:t>C</a:t>
+            </a:r>
+          </a:p>
+        </p:txBody>
+      </p:sp>
       <p:grpSp>
         <p:nvGrpSpPr>
           <p:cNvPr id="42" name="Gruppieren 41"/>
@@ -4094,10 +4010,10 @@
         </p:nvGrpSpPr>
         <p:grpSpPr>
           <a:xfrm>
-            <a:off x="9242880" y="1396800"/>
-            <a:ext cx="784800" cy="876470"/>
-            <a:chOff x="7315201" y="8746240"/>
-            <a:chExt cx="784800" cy="876470"/>
+            <a:off x="9439200" y="1321424"/>
+            <a:ext cx="610247" cy="876470"/>
+            <a:chOff x="7315200" y="8879440"/>
+            <a:chExt cx="610247" cy="876470"/>
           </a:xfrm>
         </p:grpSpPr>
         <p:sp>
@@ -4110,8 +4026,8 @@
           </p:nvSpPr>
           <p:spPr>
             <a:xfrm rot="16200000" flipH="1">
-              <a:off x="7330706" y="8750665"/>
-              <a:ext cx="753789" cy="784800"/>
+              <a:off x="7326829" y="8942988"/>
+              <a:ext cx="565342" cy="588600"/>
             </a:xfrm>
             <a:prstGeom prst="teardrop">
               <a:avLst/>
@@ -4161,7 +4077,7 @@
           </p:nvSpPr>
           <p:spPr>
             <a:xfrm>
-              <a:off x="7444921" y="8746240"/>
+              <a:off x="7324321" y="8879440"/>
               <a:ext cx="601126" cy="876470"/>
             </a:xfrm>
             <a:prstGeom prst="rect">
@@ -4176,14 +4092,120 @@
             <a:p>
               <a:pPr algn="ctr"/>
               <a:r>
-                <a:rPr lang="en-US" sz="5400" dirty="0" smtClean="0">
+                <a:rPr lang="en-US" sz="4800" dirty="0" smtClean="0">
                   <a:solidFill>
                     <a:schemeClr val="bg1"/>
                   </a:solidFill>
                 </a:rPr>
                 <a:t>D</a:t>
               </a:r>
-              <a:endParaRPr lang="en-US" sz="5400" dirty="0">
+              <a:endParaRPr lang="en-US" sz="4800" dirty="0">
+                <a:solidFill>
+                  <a:schemeClr val="bg1"/>
+                </a:solidFill>
+              </a:endParaRPr>
+            </a:p>
+          </p:txBody>
+        </p:sp>
+      </p:grpSp>
+      <p:grpSp>
+        <p:nvGrpSpPr>
+          <p:cNvPr id="12" name="Gruppieren 11"/>
+          <p:cNvGrpSpPr/>
+          <p:nvPr/>
+        </p:nvGrpSpPr>
+        <p:grpSpPr>
+          <a:xfrm>
+            <a:off x="9410400" y="6122024"/>
+            <a:ext cx="617400" cy="876470"/>
+            <a:chOff x="7286400" y="8869746"/>
+            <a:chExt cx="617400" cy="876470"/>
+          </a:xfrm>
+        </p:grpSpPr>
+        <p:sp>
+          <p:nvSpPr>
+            <p:cNvPr id="13" name="Teardrop 266"/>
+            <p:cNvSpPr>
+              <a:spLocks noChangeAspect="1"/>
+            </p:cNvSpPr>
+            <p:nvPr/>
+          </p:nvSpPr>
+          <p:spPr>
+            <a:xfrm rot="16200000" flipH="1">
+              <a:off x="7326829" y="8942988"/>
+              <a:ext cx="565342" cy="588600"/>
+            </a:xfrm>
+            <a:prstGeom prst="teardrop">
+              <a:avLst/>
+            </a:prstGeom>
+            <a:solidFill>
+              <a:srgbClr val="238B45"/>
+            </a:solidFill>
+            <a:ln>
+              <a:solidFill>
+                <a:schemeClr val="accent1">
+                  <a:shade val="50000"/>
+                  <a:alpha val="19000"/>
+                </a:schemeClr>
+              </a:solidFill>
+            </a:ln>
+          </p:spPr>
+          <p:style>
+            <a:lnRef idx="2">
+              <a:schemeClr val="accent1">
+                <a:shade val="50000"/>
+              </a:schemeClr>
+            </a:lnRef>
+            <a:fillRef idx="1">
+              <a:schemeClr val="accent1"/>
+            </a:fillRef>
+            <a:effectRef idx="0">
+              <a:schemeClr val="accent1"/>
+            </a:effectRef>
+            <a:fontRef idx="minor">
+              <a:schemeClr val="lt1"/>
+            </a:fontRef>
+          </p:style>
+          <p:txBody>
+            <a:bodyPr vert="vert270" rtlCol="0" anchor="ctr"/>
+            <a:lstStyle/>
+            <a:p>
+              <a:pPr algn="ctr"/>
+              <a:endParaRPr lang="en-US" sz="8800" dirty="0"/>
+            </a:p>
+          </p:txBody>
+        </p:sp>
+        <p:sp>
+          <p:nvSpPr>
+            <p:cNvPr id="14" name="Rechteck 13"/>
+            <p:cNvSpPr/>
+            <p:nvPr/>
+          </p:nvSpPr>
+          <p:spPr>
+            <a:xfrm>
+              <a:off x="7286400" y="8869746"/>
+              <a:ext cx="601126" cy="876470"/>
+            </a:xfrm>
+            <a:prstGeom prst="rect">
+              <a:avLst/>
+            </a:prstGeom>
+          </p:spPr>
+          <p:txBody>
+            <a:bodyPr wrap="none" lIns="0" tIns="0" rIns="0" bIns="0">
+              <a:noAutofit/>
+            </a:bodyPr>
+            <a:lstStyle/>
+            <a:p>
+              <a:pPr algn="ctr"/>
+              <a:r>
+                <a:rPr lang="en-US" sz="4800" dirty="0" smtClean="0">
+                  <a:solidFill>
+                    <a:schemeClr val="bg1"/>
+                  </a:solidFill>
+                </a:rPr>
+                <a:t>C</a:t>
+              </a:r>
+              <a:endParaRPr lang="en-US" sz="4800" dirty="0">
                 <a:solidFill>
                   <a:schemeClr val="bg1"/>
                 </a:solidFill>
